--- a/exo-sysAdmin/920-Config-XSys-en.pptx
+++ b/exo-sysAdmin/920-Config-XSys-en.pptx
@@ -7,7 +7,7 @@
     <p:sldMasterId id="2147483650" r:id="rId3"/>
   </p:sldMasterIdLst>
   <p:notesMasterIdLst>
-    <p:notesMasterId r:id="rId20"/>
+    <p:notesMasterId r:id="rId22"/>
   </p:notesMasterIdLst>
   <p:sldIdLst>
     <p:sldId id="256" r:id="rId4"/>
@@ -25,7 +25,9 @@
     <p:sldId id="414" r:id="rId16"/>
     <p:sldId id="415" r:id="rId17"/>
     <p:sldId id="416" r:id="rId18"/>
-    <p:sldId id="394" r:id="rId19"/>
+    <p:sldId id="418" r:id="rId19"/>
+    <p:sldId id="417" r:id="rId20"/>
+    <p:sldId id="394" r:id="rId21"/>
   </p:sldIdLst>
   <p:sldSz cx="11160125" cy="7559675"/>
   <p:notesSz cx="7772400" cy="10058400"/>
@@ -2098,6 +2100,251 @@
       </p:grpSpPr>
       <p:sp>
         <p:nvSpPr>
+          <p:cNvPr id="82946" name="Rectangle 11"/>
+          <p:cNvSpPr>
+            <a:spLocks noGrp="1" noChangeArrowheads="1"/>
+          </p:cNvSpPr>
+          <p:nvPr>
+            <p:ph type="sldNum" sz="quarter"/>
+          </p:nvPr>
+        </p:nvSpPr>
+        <p:spPr>
+          <a:noFill/>
+        </p:spPr>
+        <p:txBody>
+          <a:bodyPr/>
+          <a:lstStyle/>
+          <a:p>
+            <a:fld id="{24266FFD-7EDA-49C8-88B2-0F0ACA6EE776}" type="slidenum">
+              <a:rPr lang="en-GB">
+                <a:solidFill>
+                  <a:prstClr val="white"/>
+                </a:solidFill>
+              </a:rPr>
+              <a:pPr/>
+              <a:t>16</a:t>
+            </a:fld>
+            <a:endParaRPr lang="en-GB">
+              <a:solidFill>
+                <a:prstClr val="white"/>
+              </a:solidFill>
+            </a:endParaRPr>
+          </a:p>
+        </p:txBody>
+      </p:sp>
+      <p:sp>
+        <p:nvSpPr>
+          <p:cNvPr id="82947" name="Text Box 1"/>
+          <p:cNvSpPr txBox="1">
+            <a:spLocks noChangeArrowheads="1"/>
+          </p:cNvSpPr>
+          <p:nvPr/>
+        </p:nvSpPr>
+        <p:spPr bwMode="auto">
+          <a:xfrm>
+            <a:off x="4398963" y="9555163"/>
+            <a:ext cx="3371850" cy="501650"/>
+          </a:xfrm>
+          <a:prstGeom prst="rect">
+            <a:avLst/>
+          </a:prstGeom>
+          <a:noFill/>
+          <a:ln w="9525">
+            <a:noFill/>
+            <a:round/>
+            <a:headEnd/>
+            <a:tailEnd/>
+          </a:ln>
+        </p:spPr>
+        <p:txBody>
+          <a:bodyPr lIns="0" tIns="0" rIns="0" bIns="0" anchor="b"/>
+          <a:lstStyle/>
+          <a:p>
+            <a:pPr algn="r">
+              <a:lnSpc>
+                <a:spcPct val="98000"/>
+              </a:lnSpc>
+              <a:buFont typeface="Wingdings" pitchFamily="2" charset="2"/>
+              <a:buNone/>
+              <a:tabLst>
+                <a:tab pos="0" algn="l"/>
+                <a:tab pos="457200" algn="l"/>
+                <a:tab pos="914400" algn="l"/>
+                <a:tab pos="1371600" algn="l"/>
+                <a:tab pos="1828800" algn="l"/>
+                <a:tab pos="2286000" algn="l"/>
+                <a:tab pos="2743200" algn="l"/>
+                <a:tab pos="3200400" algn="l"/>
+                <a:tab pos="3657600" algn="l"/>
+                <a:tab pos="4114800" algn="l"/>
+                <a:tab pos="4572000" algn="l"/>
+                <a:tab pos="5029200" algn="l"/>
+                <a:tab pos="5486400" algn="l"/>
+                <a:tab pos="5943600" algn="l"/>
+                <a:tab pos="6400800" algn="l"/>
+                <a:tab pos="6858000" algn="l"/>
+                <a:tab pos="7315200" algn="l"/>
+                <a:tab pos="7772400" algn="l"/>
+                <a:tab pos="8229600" algn="l"/>
+                <a:tab pos="8686800" algn="l"/>
+                <a:tab pos="9144000" algn="l"/>
+              </a:tabLst>
+            </a:pPr>
+            <a:fld id="{D6179BB8-9148-4A5A-AA7B-9F0CF56AE6BC}" type="slidenum">
+              <a:rPr lang="en-GB" sz="1400">
+                <a:solidFill>
+                  <a:srgbClr val="000000"/>
+                </a:solidFill>
+                <a:latin typeface="Times New Roman" pitchFamily="18" charset="0"/>
+                <a:ea typeface="Arial Unicode MS" pitchFamily="34" charset="-128"/>
+                <a:cs typeface="Arial Unicode MS" pitchFamily="34" charset="-128"/>
+              </a:rPr>
+              <a:pPr algn="r">
+                <a:lnSpc>
+                  <a:spcPct val="98000"/>
+                </a:lnSpc>
+                <a:buFont typeface="Wingdings" pitchFamily="2" charset="2"/>
+                <a:buNone/>
+                <a:tabLst>
+                  <a:tab pos="0" algn="l"/>
+                  <a:tab pos="457200" algn="l"/>
+                  <a:tab pos="914400" algn="l"/>
+                  <a:tab pos="1371600" algn="l"/>
+                  <a:tab pos="1828800" algn="l"/>
+                  <a:tab pos="2286000" algn="l"/>
+                  <a:tab pos="2743200" algn="l"/>
+                  <a:tab pos="3200400" algn="l"/>
+                  <a:tab pos="3657600" algn="l"/>
+                  <a:tab pos="4114800" algn="l"/>
+                  <a:tab pos="4572000" algn="l"/>
+                  <a:tab pos="5029200" algn="l"/>
+                  <a:tab pos="5486400" algn="l"/>
+                  <a:tab pos="5943600" algn="l"/>
+                  <a:tab pos="6400800" algn="l"/>
+                  <a:tab pos="6858000" algn="l"/>
+                  <a:tab pos="7315200" algn="l"/>
+                  <a:tab pos="7772400" algn="l"/>
+                  <a:tab pos="8229600" algn="l"/>
+                  <a:tab pos="8686800" algn="l"/>
+                  <a:tab pos="9144000" algn="l"/>
+                </a:tabLst>
+              </a:pPr>
+              <a:t>16</a:t>
+            </a:fld>
+            <a:endParaRPr lang="en-GB" sz="1400">
+              <a:solidFill>
+                <a:srgbClr val="000000"/>
+              </a:solidFill>
+              <a:latin typeface="Times New Roman" pitchFamily="18" charset="0"/>
+              <a:ea typeface="Arial Unicode MS" pitchFamily="34" charset="-128"/>
+              <a:cs typeface="Arial Unicode MS" pitchFamily="34" charset="-128"/>
+            </a:endParaRPr>
+          </a:p>
+        </p:txBody>
+      </p:sp>
+      <p:sp>
+        <p:nvSpPr>
+          <p:cNvPr id="82948" name="Text Box 2"/>
+          <p:cNvSpPr txBox="1">
+            <a:spLocks noChangeArrowheads="1"/>
+          </p:cNvSpPr>
+          <p:nvPr/>
+        </p:nvSpPr>
+        <p:spPr bwMode="auto">
+          <a:xfrm>
+            <a:off x="1101725" y="763588"/>
+            <a:ext cx="5567363" cy="3771900"/>
+          </a:xfrm>
+          <a:prstGeom prst="rect">
+            <a:avLst/>
+          </a:prstGeom>
+          <a:solidFill>
+            <a:srgbClr val="FFFFFF"/>
+          </a:solidFill>
+          <a:ln w="9360">
+            <a:solidFill>
+              <a:srgbClr val="000000"/>
+            </a:solidFill>
+            <a:miter lim="800000"/>
+            <a:headEnd/>
+            <a:tailEnd/>
+          </a:ln>
+        </p:spPr>
+        <p:txBody>
+          <a:bodyPr wrap="none" anchor="ctr"/>
+          <a:lstStyle/>
+          <a:p>
+            <a:endParaRPr lang="en-US">
+              <a:solidFill>
+                <a:prstClr val="white"/>
+              </a:solidFill>
+            </a:endParaRPr>
+          </a:p>
+        </p:txBody>
+      </p:sp>
+      <p:sp>
+        <p:nvSpPr>
+          <p:cNvPr id="82949" name="Text Box 3"/>
+          <p:cNvSpPr>
+            <a:spLocks noGrp="1" noChangeArrowheads="1"/>
+          </p:cNvSpPr>
+          <p:nvPr>
+            <p:ph type="body"/>
+          </p:nvPr>
+        </p:nvSpPr>
+        <p:spPr>
+          <a:xfrm>
+            <a:off x="777875" y="4776788"/>
+            <a:ext cx="6210300" cy="4519612"/>
+          </a:xfrm>
+          <a:noFill/>
+          <a:ln/>
+        </p:spPr>
+        <p:txBody>
+          <a:bodyPr wrap="none" anchor="ctr"/>
+          <a:lstStyle/>
+          <a:p>
+            <a:endParaRPr lang="en-US" smtClean="0">
+              <a:latin typeface="Times New Roman" pitchFamily="18" charset="0"/>
+            </a:endParaRPr>
+          </a:p>
+        </p:txBody>
+      </p:sp>
+    </p:spTree>
+  </p:cSld>
+  <p:clrMapOvr>
+    <a:masterClrMapping/>
+  </p:clrMapOvr>
+</p:notes>
+</file>
+
+<file path=ppt/notesSlides/notesSlide7.xml><?xml version="1.0" encoding="utf-8"?>
+<p:notes xmlns:a="http://schemas.openxmlformats.org/drawingml/2006/main" xmlns:r="http://schemas.openxmlformats.org/officeDocument/2006/relationships" xmlns:p="http://schemas.openxmlformats.org/presentationml/2006/main">
+  <p:cSld>
+    <p:bg>
+      <p:bgPr>
+        <a:solidFill>
+          <a:srgbClr val="FFFFFF"/>
+        </a:solidFill>
+        <a:effectLst/>
+      </p:bgPr>
+    </p:bg>
+    <p:spTree>
+      <p:nvGrpSpPr>
+        <p:cNvPr id="1" name=""/>
+        <p:cNvGrpSpPr/>
+        <p:nvPr/>
+      </p:nvGrpSpPr>
+      <p:grpSpPr>
+        <a:xfrm>
+          <a:off x="0" y="0"/>
+          <a:ext cx="0" cy="0"/>
+          <a:chOff x="0" y="0"/>
+          <a:chExt cx="0" cy="0"/>
+        </a:xfrm>
+      </p:grpSpPr>
+      <p:sp>
+        <p:nvSpPr>
           <p:cNvPr id="76802" name="Rectangle 11"/>
           <p:cNvSpPr>
             <a:spLocks noGrp="1" noChangeArrowheads="1"/>
@@ -2116,7 +2363,7 @@
             <a:fld id="{43F345E1-DE08-49C4-9805-072619C6BD24}" type="slidenum">
               <a:rPr lang="en-GB"/>
               <a:pPr/>
-              <a:t>16</a:t>
+              <a:t>18</a:t>
             </a:fld>
             <a:endParaRPr lang="en-GB"/>
           </a:p>
@@ -2219,7 +2466,7 @@
                   <a:tab pos="9144000" algn="l"/>
                 </a:tabLst>
               </a:pPr>
-              <a:t>16</a:t>
+              <a:t>18</a:t>
             </a:fld>
             <a:endParaRPr lang="en-GB" sz="1400">
               <a:solidFill>
@@ -18820,13 +19067,22 @@
               <a:t>Paths </a:t>
             </a:r>
             <a:r>
-              <a:rPr lang="en-GB" sz="4800" dirty="0" err="1" smtClean="0">
+              <a:rPr lang="en-GB" sz="4800" dirty="0">
                 <a:solidFill>
                   <a:srgbClr val="FFFFFF"/>
                 </a:solidFill>
                 <a:cs typeface="MS Gothic"/>
               </a:rPr>
-              <a:t>configuraiton</a:t>
+              <a:t>C</a:t>
+            </a:r>
+            <a:r>
+              <a:rPr lang="en-GB" sz="4800" dirty="0" smtClean="0">
+                <a:solidFill>
+                  <a:srgbClr val="FFFFFF"/>
+                </a:solidFill>
+                <a:cs typeface="MS Gothic"/>
+              </a:rPr>
+              <a:t>onfiguration</a:t>
             </a:r>
             <a:endParaRPr lang="en-GB" sz="4800" dirty="0">
               <a:solidFill>
@@ -18922,7 +19178,6 @@
               <a:rPr lang="en-US" dirty="0" smtClean="0"/>
               <a:t>Paths configuration</a:t>
             </a:r>
-            <a:endParaRPr lang="en-US" dirty="0" smtClean="0"/>
           </a:p>
         </p:txBody>
       </p:sp>
@@ -19032,7 +19287,7 @@
             </a:r>
             <a:r>
               <a:rPr lang="fr-FR" dirty="0" err="1" smtClean="0"/>
-              <a:t>configuration.porperties</a:t>
+              <a:t>configuration.prrperties</a:t>
             </a:r>
             <a:endParaRPr lang="fr-FR" dirty="0" smtClean="0"/>
           </a:p>
@@ -19126,8 +19381,12 @@
                     <a:lstStyle/>
                     <a:p>
                       <a:r>
-                        <a:rPr lang="fr-FR"/>
-                        <a:t>gatein.data.dir </a:t>
+                        <a:rPr lang="fr-FR" dirty="0" err="1"/>
+                        <a:t>gatein.data.dir</a:t>
+                      </a:r>
+                      <a:r>
+                        <a:rPr lang="fr-FR" dirty="0"/>
+                        <a:t> </a:t>
                       </a:r>
                     </a:p>
                   </a:txBody>
@@ -19362,7 +19621,6 @@
               <a:rPr lang="en-US" dirty="0" smtClean="0"/>
               <a:t>Paths configuration</a:t>
             </a:r>
-            <a:endParaRPr lang="en-US" dirty="0" smtClean="0"/>
           </a:p>
         </p:txBody>
       </p:sp>
@@ -19414,7 +19672,7 @@
         </p:nvSpPr>
         <p:spPr>
           <a:xfrm>
-            <a:off x="971550" y="2771725"/>
+            <a:off x="971550" y="2123653"/>
             <a:ext cx="7469757" cy="3046988"/>
           </a:xfrm>
           <a:prstGeom prst="rect">
@@ -19882,13 +20140,12 @@
               <a:t>Mail </a:t>
             </a:r>
             <a:r>
-              <a:rPr lang="en-GB" sz="4800" dirty="0" err="1" smtClean="0">
+              <a:rPr lang="en-GB" sz="4800" dirty="0">
                 <a:solidFill>
                   <a:srgbClr val="FFFFFF"/>
                 </a:solidFill>
-                <a:cs typeface="MS Gothic"/>
               </a:rPr>
-              <a:t>configuraiton</a:t>
+              <a:t>Configuration</a:t>
             </a:r>
             <a:endParaRPr lang="en-GB" sz="4800" dirty="0">
               <a:solidFill>
@@ -19984,7 +20241,6 @@
               <a:rPr lang="en-US" dirty="0" smtClean="0"/>
               <a:t>Paths configuration</a:t>
             </a:r>
-            <a:endParaRPr lang="en-US" dirty="0" smtClean="0"/>
           </a:p>
         </p:txBody>
       </p:sp>
@@ -20388,7 +20644,6 @@
               <a:rPr lang="en-US" dirty="0" smtClean="0"/>
               <a:t>Paths configuration</a:t>
             </a:r>
-            <a:endParaRPr lang="en-US" dirty="0" smtClean="0"/>
           </a:p>
         </p:txBody>
       </p:sp>
@@ -20450,13 +20705,13 @@
           <p:nvPr>
             <p:extLst>
               <p:ext uri="{D42A27DB-BD31-4B8C-83A1-F6EECF244321}">
-                <p14:modId xmlns:p14="http://schemas.microsoft.com/office/powerpoint/2010/main" val="2378436290"/>
+                <p14:modId xmlns:p14="http://schemas.microsoft.com/office/powerpoint/2010/main" val="3044352499"/>
               </p:ext>
             </p:extLst>
           </p:nvPr>
         </p:nvGraphicFramePr>
         <p:xfrm>
-          <a:off x="611510" y="2771725"/>
+          <a:off x="1619622" y="2411685"/>
           <a:ext cx="6288698" cy="3076810"/>
         </p:xfrm>
         <a:graphic>
@@ -20506,8 +20761,12 @@
                     <a:lstStyle/>
                     <a:p>
                       <a:r>
-                        <a:rPr lang="fr-FR"/>
-                        <a:t>gatein.email.smtp.host </a:t>
+                        <a:rPr lang="fr-FR" dirty="0" err="1"/>
+                        <a:t>gatein.email.smtp.host</a:t>
+                      </a:r>
+                      <a:r>
+                        <a:rPr lang="fr-FR" dirty="0"/>
+                        <a:t> </a:t>
                       </a:r>
                     </a:p>
                   </a:txBody>
@@ -20675,6 +20934,732 @@
       </p:grpSpPr>
       <p:sp>
         <p:nvSpPr>
+          <p:cNvPr id="81922" name="Text Box 1"/>
+          <p:cNvSpPr txBox="1">
+            <a:spLocks noChangeArrowheads="1"/>
+          </p:cNvSpPr>
+          <p:nvPr/>
+        </p:nvSpPr>
+        <p:spPr bwMode="auto">
+          <a:xfrm>
+            <a:off x="8001000" y="6886575"/>
+            <a:ext cx="2598738" cy="520700"/>
+          </a:xfrm>
+          <a:prstGeom prst="rect">
+            <a:avLst/>
+          </a:prstGeom>
+          <a:noFill/>
+          <a:ln w="9525">
+            <a:noFill/>
+            <a:round/>
+            <a:headEnd/>
+            <a:tailEnd/>
+          </a:ln>
+        </p:spPr>
+        <p:txBody>
+          <a:bodyPr lIns="0" tIns="0" rIns="0" bIns="0"/>
+          <a:lstStyle/>
+          <a:p>
+            <a:pPr algn="r">
+              <a:lnSpc>
+                <a:spcPct val="98000"/>
+              </a:lnSpc>
+              <a:buFont typeface="Wingdings" pitchFamily="2" charset="2"/>
+              <a:buNone/>
+              <a:tabLst>
+                <a:tab pos="0" algn="l"/>
+                <a:tab pos="457200" algn="l"/>
+                <a:tab pos="914400" algn="l"/>
+                <a:tab pos="1371600" algn="l"/>
+                <a:tab pos="1828800" algn="l"/>
+                <a:tab pos="2286000" algn="l"/>
+                <a:tab pos="2743200" algn="l"/>
+                <a:tab pos="3200400" algn="l"/>
+                <a:tab pos="3657600" algn="l"/>
+                <a:tab pos="4114800" algn="l"/>
+                <a:tab pos="4572000" algn="l"/>
+                <a:tab pos="5029200" algn="l"/>
+                <a:tab pos="5486400" algn="l"/>
+                <a:tab pos="5943600" algn="l"/>
+                <a:tab pos="6400800" algn="l"/>
+                <a:tab pos="6858000" algn="l"/>
+                <a:tab pos="7315200" algn="l"/>
+                <a:tab pos="7772400" algn="l"/>
+                <a:tab pos="8229600" algn="l"/>
+                <a:tab pos="8686800" algn="l"/>
+                <a:tab pos="9144000" algn="l"/>
+              </a:tabLst>
+            </a:pPr>
+            <a:fld id="{9439DB4F-8062-4B9F-B45E-68F1B7A6624D}" type="slidenum">
+              <a:rPr lang="en-GB" sz="1400">
+                <a:solidFill>
+                  <a:srgbClr val="000000"/>
+                </a:solidFill>
+                <a:latin typeface="Times New Roman" pitchFamily="18" charset="0"/>
+                <a:ea typeface="Arial Unicode MS" pitchFamily="34" charset="-128"/>
+                <a:cs typeface="Arial Unicode MS" pitchFamily="34" charset="-128"/>
+              </a:rPr>
+              <a:pPr algn="r">
+                <a:lnSpc>
+                  <a:spcPct val="98000"/>
+                </a:lnSpc>
+                <a:buFont typeface="Wingdings" pitchFamily="2" charset="2"/>
+                <a:buNone/>
+                <a:tabLst>
+                  <a:tab pos="0" algn="l"/>
+                  <a:tab pos="457200" algn="l"/>
+                  <a:tab pos="914400" algn="l"/>
+                  <a:tab pos="1371600" algn="l"/>
+                  <a:tab pos="1828800" algn="l"/>
+                  <a:tab pos="2286000" algn="l"/>
+                  <a:tab pos="2743200" algn="l"/>
+                  <a:tab pos="3200400" algn="l"/>
+                  <a:tab pos="3657600" algn="l"/>
+                  <a:tab pos="4114800" algn="l"/>
+                  <a:tab pos="4572000" algn="l"/>
+                  <a:tab pos="5029200" algn="l"/>
+                  <a:tab pos="5486400" algn="l"/>
+                  <a:tab pos="5943600" algn="l"/>
+                  <a:tab pos="6400800" algn="l"/>
+                  <a:tab pos="6858000" algn="l"/>
+                  <a:tab pos="7315200" algn="l"/>
+                  <a:tab pos="7772400" algn="l"/>
+                  <a:tab pos="8229600" algn="l"/>
+                  <a:tab pos="8686800" algn="l"/>
+                  <a:tab pos="9144000" algn="l"/>
+                </a:tabLst>
+              </a:pPr>
+              <a:t>16</a:t>
+            </a:fld>
+            <a:endParaRPr lang="en-GB" sz="1400">
+              <a:solidFill>
+                <a:srgbClr val="000000"/>
+              </a:solidFill>
+              <a:latin typeface="Times New Roman" pitchFamily="18" charset="0"/>
+              <a:ea typeface="Arial Unicode MS" pitchFamily="34" charset="-128"/>
+              <a:cs typeface="Arial Unicode MS" pitchFamily="34" charset="-128"/>
+            </a:endParaRPr>
+          </a:p>
+        </p:txBody>
+      </p:sp>
+      <p:sp>
+        <p:nvSpPr>
+          <p:cNvPr id="81923" name="Text Box 2"/>
+          <p:cNvSpPr txBox="1">
+            <a:spLocks noChangeArrowheads="1"/>
+          </p:cNvSpPr>
+          <p:nvPr/>
+        </p:nvSpPr>
+        <p:spPr bwMode="auto">
+          <a:xfrm>
+            <a:off x="550863" y="4692650"/>
+            <a:ext cx="10044112" cy="1492250"/>
+          </a:xfrm>
+          <a:prstGeom prst="rect">
+            <a:avLst/>
+          </a:prstGeom>
+          <a:noFill/>
+          <a:ln w="9525">
+            <a:noFill/>
+            <a:round/>
+            <a:headEnd/>
+            <a:tailEnd/>
+          </a:ln>
+        </p:spPr>
+        <p:txBody>
+          <a:bodyPr lIns="0" tIns="0" rIns="0" bIns="0" anchor="ctr"/>
+          <a:lstStyle/>
+          <a:p>
+            <a:pPr algn="ctr">
+              <a:lnSpc>
+                <a:spcPct val="96000"/>
+              </a:lnSpc>
+              <a:tabLst>
+                <a:tab pos="0" algn="l"/>
+                <a:tab pos="457200" algn="l"/>
+                <a:tab pos="914400" algn="l"/>
+                <a:tab pos="1371600" algn="l"/>
+                <a:tab pos="1828800" algn="l"/>
+                <a:tab pos="2286000" algn="l"/>
+                <a:tab pos="2743200" algn="l"/>
+                <a:tab pos="3200400" algn="l"/>
+                <a:tab pos="3657600" algn="l"/>
+                <a:tab pos="4114800" algn="l"/>
+                <a:tab pos="4572000" algn="l"/>
+                <a:tab pos="5029200" algn="l"/>
+                <a:tab pos="5486400" algn="l"/>
+                <a:tab pos="5943600" algn="l"/>
+                <a:tab pos="6400800" algn="l"/>
+                <a:tab pos="6858000" algn="l"/>
+                <a:tab pos="7315200" algn="l"/>
+                <a:tab pos="7772400" algn="l"/>
+                <a:tab pos="8229600" algn="l"/>
+                <a:tab pos="8686800" algn="l"/>
+                <a:tab pos="9144000" algn="l"/>
+                <a:tab pos="9410700" algn="l"/>
+              </a:tabLst>
+            </a:pPr>
+            <a:r>
+              <a:rPr lang="en-GB" sz="4800" dirty="0" smtClean="0">
+                <a:solidFill>
+                  <a:srgbClr val="FFFFFF"/>
+                </a:solidFill>
+                <a:cs typeface="MS Gothic"/>
+              </a:rPr>
+              <a:t>Configuration Exercise</a:t>
+            </a:r>
+            <a:endParaRPr lang="en-GB" sz="4800" dirty="0">
+              <a:solidFill>
+                <a:srgbClr val="FFFFFF"/>
+              </a:solidFill>
+              <a:cs typeface="MS Gothic"/>
+            </a:endParaRPr>
+          </a:p>
+        </p:txBody>
+      </p:sp>
+    </p:spTree>
+    <p:extLst>
+      <p:ext uri="{BB962C8B-B14F-4D97-AF65-F5344CB8AC3E}">
+        <p14:creationId xmlns:p14="http://schemas.microsoft.com/office/powerpoint/2010/main" val="3121063161"/>
+      </p:ext>
+    </p:extLst>
+  </p:cSld>
+  <p:clrMapOvr>
+    <a:masterClrMapping/>
+  </p:clrMapOvr>
+  <p:transition xmlns:p14="http://schemas.microsoft.com/office/powerpoint/2010/main" spd="med">
+    <p:wipe dir="r"/>
+  </p:transition>
+  <p:timing>
+    <p:tnLst>
+      <p:par>
+        <p:cTn xmlns:p14="http://schemas.microsoft.com/office/powerpoint/2010/main" id="1" dur="indefinite" restart="never" nodeType="tmRoot">
+          <p:childTnLst>
+            <p:seq concurrent="1" nextAc="seek">
+              <p:cTn id="2" dur="indefinite" nodeType="mainSeq"/>
+              <p:prevCondLst>
+                <p:cond evt="onPrev" delay="0">
+                  <p:tgtEl>
+                    <p:sldTgt/>
+                  </p:tgtEl>
+                </p:cond>
+              </p:prevCondLst>
+              <p:nextCondLst>
+                <p:cond evt="onNext" delay="0">
+                  <p:tgtEl>
+                    <p:sldTgt/>
+                  </p:tgtEl>
+                </p:cond>
+              </p:nextCondLst>
+            </p:seq>
+          </p:childTnLst>
+        </p:cTn>
+      </p:par>
+    </p:tnLst>
+  </p:timing>
+</p:sld>
+</file>
+
+<file path=ppt/slides/slide17.xml><?xml version="1.0" encoding="utf-8"?>
+<p:sld xmlns:a="http://schemas.openxmlformats.org/drawingml/2006/main" xmlns:r="http://schemas.openxmlformats.org/officeDocument/2006/relationships" xmlns:p="http://schemas.openxmlformats.org/presentationml/2006/main">
+  <p:cSld>
+    <p:spTree>
+      <p:nvGrpSpPr>
+        <p:cNvPr id="1" name=""/>
+        <p:cNvGrpSpPr/>
+        <p:nvPr/>
+      </p:nvGrpSpPr>
+      <p:grpSpPr>
+        <a:xfrm>
+          <a:off x="0" y="0"/>
+          <a:ext cx="0" cy="0"/>
+          <a:chOff x="0" y="0"/>
+          <a:chExt cx="0" cy="0"/>
+        </a:xfrm>
+      </p:grpSpPr>
+      <p:sp>
+        <p:nvSpPr>
+          <p:cNvPr id="15362" name="Rectangle 1"/>
+          <p:cNvSpPr>
+            <a:spLocks noGrp="1" noChangeArrowheads="1"/>
+          </p:cNvSpPr>
+          <p:nvPr>
+            <p:ph type="title"/>
+          </p:nvPr>
+        </p:nvSpPr>
+        <p:spPr>
+          <a:xfrm>
+            <a:off x="490435" y="255926"/>
+            <a:ext cx="10179255" cy="454024"/>
+          </a:xfrm>
+        </p:spPr>
+        <p:txBody>
+          <a:bodyPr rIns="41783" anchor="b"/>
+          <a:lstStyle/>
+          <a:p>
+            <a:pPr eaLnBrk="1" hangingPunct="1"/>
+            <a:r>
+              <a:rPr lang="en-US" dirty="0" smtClean="0"/>
+              <a:t>Exercise: Configuration</a:t>
+            </a:r>
+          </a:p>
+        </p:txBody>
+      </p:sp>
+      <p:sp>
+        <p:nvSpPr>
+          <p:cNvPr id="15363" name="Rectangle 2"/>
+          <p:cNvSpPr>
+            <a:spLocks noGrp="1" noChangeArrowheads="1"/>
+          </p:cNvSpPr>
+          <p:nvPr>
+            <p:ph type="body" idx="1"/>
+          </p:nvPr>
+        </p:nvSpPr>
+        <p:spPr>
+          <a:xfrm>
+            <a:off x="507964" y="1350945"/>
+            <a:ext cx="10179255" cy="5089000"/>
+          </a:xfrm>
+        </p:spPr>
+        <p:txBody>
+          <a:bodyPr rIns="41783"/>
+          <a:lstStyle/>
+          <a:p>
+            <a:pPr marL="584962" lvl="1" indent="-219361">
+              <a:lnSpc>
+                <a:spcPct val="100000"/>
+              </a:lnSpc>
+            </a:pPr>
+            <a:r>
+              <a:rPr lang="fr-FR" dirty="0" err="1" smtClean="0"/>
+              <a:t>Unzip</a:t>
+            </a:r>
+            <a:r>
+              <a:rPr lang="fr-FR" dirty="0" smtClean="0"/>
+              <a:t> a </a:t>
+            </a:r>
+            <a:r>
+              <a:rPr lang="fr-FR" dirty="0" err="1" smtClean="0"/>
+              <a:t>fresh</a:t>
+            </a:r>
+            <a:r>
+              <a:rPr lang="fr-FR" dirty="0" smtClean="0"/>
+              <a:t> </a:t>
+            </a:r>
+            <a:r>
+              <a:rPr lang="fr-FR" dirty="0" err="1" smtClean="0"/>
+              <a:t>eXo</a:t>
+            </a:r>
+            <a:r>
+              <a:rPr lang="fr-FR" dirty="0" smtClean="0"/>
+              <a:t> installation (</a:t>
+            </a:r>
+            <a:r>
+              <a:rPr lang="fr-FR" dirty="0" err="1" smtClean="0"/>
+              <a:t>tomcat</a:t>
+            </a:r>
+            <a:r>
+              <a:rPr lang="fr-FR" dirty="0" smtClean="0"/>
+              <a:t> version)</a:t>
+            </a:r>
+          </a:p>
+          <a:p>
+            <a:pPr marL="584962" lvl="1" indent="-219361">
+              <a:lnSpc>
+                <a:spcPct val="100000"/>
+              </a:lnSpc>
+            </a:pPr>
+            <a:r>
+              <a:rPr lang="fr-FR" dirty="0" smtClean="0"/>
+              <a:t>Change the main configuration </a:t>
+            </a:r>
+            <a:r>
+              <a:rPr lang="fr-FR" dirty="0" err="1" smtClean="0"/>
+              <a:t>folder</a:t>
+            </a:r>
+            <a:r>
+              <a:rPr lang="fr-FR" dirty="0" smtClean="0"/>
+              <a:t> (Default </a:t>
+            </a:r>
+            <a:r>
+              <a:rPr lang="en-US" dirty="0" smtClean="0"/>
+              <a:t>in </a:t>
+            </a:r>
+            <a:r>
+              <a:rPr lang="en-US" dirty="0" err="1"/>
+              <a:t>gatein.sh</a:t>
+            </a:r>
+            <a:r>
+              <a:rPr lang="en-US" dirty="0"/>
+              <a:t> startup file:</a:t>
+            </a:r>
+            <a:br>
+              <a:rPr lang="en-US" dirty="0"/>
+            </a:br>
+            <a:r>
+              <a:rPr lang="en-US" dirty="0"/>
+              <a:t>-</a:t>
+            </a:r>
+            <a:r>
+              <a:rPr lang="en-US" dirty="0" err="1"/>
+              <a:t>Dexo.conf.dir.name</a:t>
+            </a:r>
+            <a:r>
+              <a:rPr lang="en-US" dirty="0"/>
+              <a:t>=</a:t>
+            </a:r>
+            <a:r>
+              <a:rPr lang="en-US" dirty="0" err="1"/>
+              <a:t>gatein</a:t>
+            </a:r>
+            <a:r>
+              <a:rPr lang="en-US" dirty="0"/>
+              <a:t>/</a:t>
+            </a:r>
+            <a:r>
+              <a:rPr lang="en-US" dirty="0" err="1" smtClean="0"/>
+              <a:t>conf</a:t>
+            </a:r>
+            <a:r>
+              <a:rPr lang="fr-FR" dirty="0" smtClean="0"/>
+              <a:t>) to a </a:t>
+            </a:r>
+            <a:r>
+              <a:rPr lang="fr-FR" dirty="0" err="1" smtClean="0"/>
+              <a:t>folder</a:t>
+            </a:r>
+            <a:r>
+              <a:rPr lang="fr-FR" dirty="0" smtClean="0"/>
+              <a:t> </a:t>
+            </a:r>
+            <a:r>
+              <a:rPr lang="fr-FR" dirty="0" err="1" smtClean="0"/>
+              <a:t>outside</a:t>
+            </a:r>
+            <a:r>
+              <a:rPr lang="fr-FR" dirty="0" smtClean="0"/>
+              <a:t> of </a:t>
+            </a:r>
+            <a:r>
+              <a:rPr lang="fr-FR" dirty="0" err="1" smtClean="0"/>
+              <a:t>eXo</a:t>
+            </a:r>
+            <a:r>
+              <a:rPr lang="fr-FR" dirty="0" smtClean="0"/>
+              <a:t> installation.</a:t>
+            </a:r>
+          </a:p>
+          <a:p>
+            <a:pPr marL="584962" lvl="1" indent="-219361">
+              <a:lnSpc>
+                <a:spcPct val="100000"/>
+              </a:lnSpc>
+            </a:pPr>
+            <a:r>
+              <a:rPr lang="fr-FR" dirty="0" smtClean="0"/>
+              <a:t>Copy or move the default </a:t>
+            </a:r>
+            <a:r>
+              <a:rPr lang="fr-FR" dirty="0" err="1" smtClean="0"/>
+              <a:t>conf</a:t>
+            </a:r>
+            <a:r>
+              <a:rPr lang="fr-FR" dirty="0" smtClean="0"/>
+              <a:t> </a:t>
+            </a:r>
+            <a:r>
+              <a:rPr lang="fr-FR" dirty="0" err="1" smtClean="0"/>
+              <a:t>folder</a:t>
+            </a:r>
+            <a:r>
+              <a:rPr lang="fr-FR" dirty="0" smtClean="0"/>
+              <a:t> content to the new </a:t>
+            </a:r>
+            <a:r>
+              <a:rPr lang="fr-FR" dirty="0" err="1" smtClean="0"/>
+              <a:t>folder</a:t>
+            </a:r>
+            <a:r>
+              <a:rPr lang="fr-FR" dirty="0" smtClean="0"/>
+              <a:t> </a:t>
+            </a:r>
+            <a:r>
+              <a:rPr lang="fr-FR" dirty="0" err="1" smtClean="0"/>
+              <a:t>you</a:t>
+            </a:r>
+            <a:r>
+              <a:rPr lang="fr-FR" dirty="0" smtClean="0"/>
+              <a:t> </a:t>
+            </a:r>
+            <a:r>
+              <a:rPr lang="fr-FR" dirty="0" err="1" smtClean="0"/>
+              <a:t>defined</a:t>
+            </a:r>
+            <a:r>
+              <a:rPr lang="fr-FR" dirty="0" smtClean="0"/>
+              <a:t> </a:t>
+            </a:r>
+            <a:r>
+              <a:rPr lang="fr-FR" dirty="0" err="1" smtClean="0"/>
+              <a:t>above</a:t>
+            </a:r>
+            <a:r>
+              <a:rPr lang="fr-FR" dirty="0" smtClean="0"/>
+              <a:t>.</a:t>
+            </a:r>
+          </a:p>
+          <a:p>
+            <a:pPr marL="584962" lvl="1" indent="-219361">
+              <a:lnSpc>
+                <a:spcPct val="100000"/>
+              </a:lnSpc>
+            </a:pPr>
+            <a:r>
+              <a:rPr lang="fr-FR" dirty="0" err="1" smtClean="0"/>
+              <a:t>Modify</a:t>
+            </a:r>
+            <a:r>
+              <a:rPr lang="fr-FR" dirty="0" smtClean="0"/>
+              <a:t> </a:t>
+            </a:r>
+            <a:r>
+              <a:rPr lang="fr-FR" dirty="0" err="1" smtClean="0"/>
+              <a:t>configuration.properties</a:t>
+            </a:r>
+            <a:r>
+              <a:rPr lang="fr-FR" dirty="0" smtClean="0"/>
+              <a:t> </a:t>
+            </a:r>
+            <a:r>
+              <a:rPr lang="fr-FR" dirty="0" err="1" smtClean="0"/>
+              <a:t>so</a:t>
+            </a:r>
+            <a:r>
+              <a:rPr lang="fr-FR" dirty="0" smtClean="0"/>
+              <a:t> </a:t>
+            </a:r>
+            <a:r>
+              <a:rPr lang="fr-FR" dirty="0" err="1" smtClean="0"/>
+              <a:t>that</a:t>
+            </a:r>
+            <a:r>
+              <a:rPr lang="fr-FR" dirty="0" smtClean="0"/>
+              <a:t> the data </a:t>
+            </a:r>
+            <a:r>
+              <a:rPr lang="fr-FR" dirty="0" err="1" smtClean="0"/>
+              <a:t>folders</a:t>
+            </a:r>
+            <a:r>
+              <a:rPr lang="fr-FR" dirty="0" smtClean="0"/>
+              <a:t> point </a:t>
+            </a:r>
+            <a:r>
+              <a:rPr lang="fr-FR" dirty="0" err="1" smtClean="0"/>
+              <a:t>outside</a:t>
+            </a:r>
+            <a:r>
+              <a:rPr lang="fr-FR" dirty="0" smtClean="0"/>
+              <a:t> of  the </a:t>
+            </a:r>
+            <a:r>
+              <a:rPr lang="fr-FR" dirty="0" err="1" smtClean="0"/>
+              <a:t>eXo</a:t>
+            </a:r>
+            <a:r>
+              <a:rPr lang="fr-FR" dirty="0" smtClean="0"/>
+              <a:t> installation. (</a:t>
+            </a:r>
+            <a:r>
+              <a:rPr lang="fr-FR" dirty="0" err="1" smtClean="0"/>
+              <a:t>Modify</a:t>
+            </a:r>
+            <a:r>
+              <a:rPr lang="fr-FR" dirty="0" smtClean="0"/>
+              <a:t> the </a:t>
+            </a:r>
+            <a:r>
+              <a:rPr lang="fr-FR" dirty="0" err="1" smtClean="0"/>
+              <a:t>property</a:t>
+            </a:r>
+            <a:r>
+              <a:rPr lang="fr-FR" dirty="0" smtClean="0"/>
+              <a:t> « </a:t>
+            </a:r>
+            <a:r>
+              <a:rPr lang="fr-FR" dirty="0" err="1" smtClean="0"/>
+              <a:t>gatein.data.dir</a:t>
+            </a:r>
+            <a:r>
+              <a:rPr lang="fr-FR" dirty="0" smtClean="0"/>
+              <a:t> »)</a:t>
+            </a:r>
+          </a:p>
+          <a:p>
+            <a:pPr marL="584962" lvl="1" indent="-219361">
+              <a:lnSpc>
+                <a:spcPct val="100000"/>
+              </a:lnSpc>
+            </a:pPr>
+            <a:r>
+              <a:rPr lang="fr-FR" dirty="0" smtClean="0"/>
+              <a:t>Configure eXo </a:t>
+            </a:r>
+            <a:r>
+              <a:rPr lang="fr-FR" dirty="0" smtClean="0"/>
+              <a:t>to </a:t>
+            </a:r>
+            <a:r>
+              <a:rPr lang="fr-FR" dirty="0" err="1" smtClean="0"/>
+              <a:t>connect</a:t>
+            </a:r>
+            <a:r>
+              <a:rPr lang="fr-FR" dirty="0" smtClean="0"/>
+              <a:t> </a:t>
+            </a:r>
+            <a:r>
+              <a:rPr lang="fr-FR" smtClean="0"/>
+              <a:t>to MySQL or </a:t>
+            </a:r>
+            <a:r>
+              <a:rPr lang="fr-FR" dirty="0" err="1" smtClean="0"/>
+              <a:t>your</a:t>
+            </a:r>
+            <a:r>
+              <a:rPr lang="fr-FR" dirty="0" smtClean="0"/>
+              <a:t> </a:t>
+            </a:r>
+            <a:r>
+              <a:rPr lang="fr-FR" dirty="0" err="1" smtClean="0"/>
+              <a:t>preferred</a:t>
+            </a:r>
+            <a:r>
+              <a:rPr lang="fr-FR" dirty="0" smtClean="0"/>
+              <a:t> </a:t>
+            </a:r>
+            <a:r>
+              <a:rPr lang="fr-FR" dirty="0" err="1" smtClean="0"/>
+              <a:t>database</a:t>
+            </a:r>
+            <a:r>
+              <a:rPr lang="fr-FR" dirty="0" smtClean="0"/>
+              <a:t>.</a:t>
+            </a:r>
+          </a:p>
+          <a:p>
+            <a:pPr marL="584962" lvl="1" indent="-219361">
+              <a:lnSpc>
+                <a:spcPct val="100000"/>
+              </a:lnSpc>
+            </a:pPr>
+            <a:r>
+              <a:rPr lang="fr-FR" dirty="0" smtClean="0"/>
+              <a:t>Start </a:t>
+            </a:r>
+            <a:r>
+              <a:rPr lang="fr-FR" dirty="0" err="1" smtClean="0"/>
+              <a:t>eXo</a:t>
+            </a:r>
+            <a:endParaRPr lang="fr-FR" dirty="0"/>
+          </a:p>
+          <a:p>
+            <a:pPr marL="584962" lvl="1" indent="-219361">
+              <a:lnSpc>
+                <a:spcPct val="100000"/>
+              </a:lnSpc>
+            </a:pPr>
+            <a:r>
+              <a:rPr lang="fr-FR" dirty="0" smtClean="0"/>
+              <a:t>Observe how the data </a:t>
+            </a:r>
+            <a:r>
+              <a:rPr lang="fr-FR" dirty="0" err="1" smtClean="0"/>
+              <a:t>folders</a:t>
+            </a:r>
+            <a:r>
+              <a:rPr lang="fr-FR" dirty="0" smtClean="0"/>
+              <a:t> are </a:t>
+            </a:r>
+            <a:r>
+              <a:rPr lang="fr-FR" dirty="0" err="1" smtClean="0"/>
+              <a:t>created</a:t>
+            </a:r>
+            <a:endParaRPr lang="fr-FR" dirty="0" smtClean="0"/>
+          </a:p>
+          <a:p>
+            <a:pPr marL="584962" lvl="1" indent="-219361">
+              <a:lnSpc>
+                <a:spcPct val="100000"/>
+              </a:lnSpc>
+            </a:pPr>
+            <a:r>
+              <a:rPr lang="fr-FR" dirty="0" smtClean="0"/>
+              <a:t>Observe how data </a:t>
+            </a:r>
+            <a:r>
+              <a:rPr lang="fr-FR" dirty="0" err="1" smtClean="0"/>
+              <a:t>is</a:t>
+            </a:r>
+            <a:r>
+              <a:rPr lang="fr-FR" dirty="0" smtClean="0"/>
+              <a:t> </a:t>
+            </a:r>
+            <a:r>
+              <a:rPr lang="fr-FR" dirty="0" err="1" smtClean="0"/>
+              <a:t>stored</a:t>
+            </a:r>
+            <a:r>
+              <a:rPr lang="fr-FR" dirty="0" smtClean="0"/>
+              <a:t> in the </a:t>
+            </a:r>
+            <a:r>
+              <a:rPr lang="fr-FR" dirty="0" err="1" smtClean="0"/>
+              <a:t>databases</a:t>
+            </a:r>
+            <a:endParaRPr lang="fr-FR" dirty="0" smtClean="0"/>
+          </a:p>
+        </p:txBody>
+      </p:sp>
+    </p:spTree>
+    <p:extLst>
+      <p:ext uri="{BB962C8B-B14F-4D97-AF65-F5344CB8AC3E}">
+        <p14:creationId xmlns:p14="http://schemas.microsoft.com/office/powerpoint/2010/main" val="3308308280"/>
+      </p:ext>
+    </p:extLst>
+  </p:cSld>
+  <p:clrMapOvr>
+    <a:masterClrMapping/>
+  </p:clrMapOvr>
+  <p:transition xmlns:p14="http://schemas.microsoft.com/office/powerpoint/2010/main"/>
+  <p:timing>
+    <p:tnLst>
+      <p:par>
+        <p:cTn xmlns:p14="http://schemas.microsoft.com/office/powerpoint/2010/main" id="1" dur="indefinite" restart="never" nodeType="tmRoot"/>
+      </p:par>
+    </p:tnLst>
+  </p:timing>
+</p:sld>
+</file>
+
+<file path=ppt/slides/slide18.xml><?xml version="1.0" encoding="utf-8"?>
+<p:sld xmlns:a="http://schemas.openxmlformats.org/drawingml/2006/main" xmlns:r="http://schemas.openxmlformats.org/officeDocument/2006/relationships" xmlns:p="http://schemas.openxmlformats.org/presentationml/2006/main">
+  <p:cSld>
+    <p:spTree>
+      <p:nvGrpSpPr>
+        <p:cNvPr id="1" name=""/>
+        <p:cNvGrpSpPr/>
+        <p:nvPr/>
+      </p:nvGrpSpPr>
+      <p:grpSpPr>
+        <a:xfrm>
+          <a:off x="0" y="0"/>
+          <a:ext cx="0" cy="0"/>
+          <a:chOff x="0" y="0"/>
+          <a:chExt cx="0" cy="0"/>
+        </a:xfrm>
+      </p:grpSpPr>
+      <p:sp>
+        <p:nvSpPr>
           <p:cNvPr id="75778" name="Text Box 1"/>
           <p:cNvSpPr txBox="1">
             <a:spLocks noChangeArrowheads="1"/>
@@ -20873,7 +21858,6 @@
               <a:rPr lang="en-US" dirty="0" smtClean="0"/>
               <a:t>Configuration Properties</a:t>
             </a:r>
-            <a:endParaRPr lang="en-US" dirty="0" smtClean="0"/>
           </a:p>
           <a:p>
             <a:pPr marL="584962" lvl="1" indent="-219361"/>
@@ -20881,7 +21865,6 @@
               <a:rPr lang="en-US" dirty="0" smtClean="0"/>
               <a:t>Database Configuration</a:t>
             </a:r>
-            <a:endParaRPr lang="en-US" dirty="0" smtClean="0"/>
           </a:p>
           <a:p>
             <a:pPr marL="584962" lvl="1" indent="-219361"/>
@@ -20889,13 +21872,19 @@
               <a:rPr lang="en-US" dirty="0" smtClean="0"/>
               <a:t>Mail Server Configuration</a:t>
             </a:r>
-            <a:endParaRPr lang="en-US" dirty="0" smtClean="0"/>
           </a:p>
           <a:p>
             <a:pPr marL="584962" lvl="1" indent="-219361"/>
             <a:r>
               <a:rPr lang="en-US" dirty="0" smtClean="0"/>
               <a:t>Logging</a:t>
+            </a:r>
+          </a:p>
+          <a:p>
+            <a:pPr marL="584962" lvl="1" indent="-219361"/>
+            <a:r>
+              <a:rPr lang="en-US" dirty="0" smtClean="0"/>
+              <a:t>Exercise</a:t>
             </a:r>
             <a:endParaRPr lang="en-US" dirty="0"/>
           </a:p>
@@ -21202,7 +22191,6 @@
               <a:rPr lang="en-US" dirty="0" smtClean="0"/>
               <a:t>Configuration Folder</a:t>
             </a:r>
-            <a:endParaRPr lang="en-US" dirty="0" smtClean="0"/>
           </a:p>
         </p:txBody>
       </p:sp>
@@ -21268,7 +22256,7 @@
             </a:r>
             <a:r>
               <a:rPr lang="en-US" dirty="0" smtClean="0"/>
-              <a:t> startup:</a:t>
+              <a:t> startup file:</a:t>
             </a:r>
             <a:br>
               <a:rPr lang="en-US" dirty="0" smtClean="0"/>
@@ -21464,7 +22452,6 @@
               <a:rPr lang="en-US" dirty="0" smtClean="0"/>
               <a:t>Configuration Files</a:t>
             </a:r>
-            <a:endParaRPr lang="en-US" dirty="0" smtClean="0"/>
           </a:p>
         </p:txBody>
       </p:sp>
@@ -21671,7 +22658,6 @@
               <a:rPr lang="en-US" dirty="0" smtClean="0"/>
               <a:t>. Highest priority over any other configuration file.</a:t>
             </a:r>
-            <a:endParaRPr lang="en-US" dirty="0" smtClean="0"/>
           </a:p>
         </p:txBody>
       </p:sp>
@@ -21983,7 +22969,6 @@
               <a:rPr lang="en-US" dirty="0" smtClean="0"/>
               <a:t>Prepare the Database</a:t>
             </a:r>
-            <a:endParaRPr lang="en-US" dirty="0" smtClean="0"/>
           </a:p>
         </p:txBody>
       </p:sp>
@@ -22553,9 +23538,12 @@
             <a:pPr eaLnBrk="1" hangingPunct="1"/>
             <a:r>
               <a:rPr lang="en-US" dirty="0" smtClean="0"/>
-              <a:t>Replace the connector jar</a:t>
-            </a:r>
-            <a:endParaRPr lang="en-US" dirty="0" smtClean="0"/>
+              <a:t>Add the </a:t>
+            </a:r>
+            <a:r>
+              <a:rPr lang="en-US" dirty="0" smtClean="0"/>
+              <a:t>connector jar</a:t>
+            </a:r>
           </a:p>
         </p:txBody>
       </p:sp>

--- a/exo-sysAdmin/920-Config-XSys-en.pptx
+++ b/exo-sysAdmin/920-Config-XSys-en.pptx
@@ -21503,11 +21503,7 @@
             </a:pPr>
             <a:r>
               <a:rPr lang="fr-FR" dirty="0" smtClean="0"/>
-              <a:t>Configure eXo </a:t>
-            </a:r>
-            <a:r>
-              <a:rPr lang="fr-FR" dirty="0" smtClean="0"/>
-              <a:t>to </a:t>
+              <a:t>Configure eXo to </a:t>
             </a:r>
             <a:r>
               <a:rPr lang="fr-FR" dirty="0" err="1" smtClean="0"/>
@@ -21850,43 +21846,43 @@
             <a:pPr marL="219361" indent="-216749">
               <a:buNone/>
             </a:pPr>
-            <a:endParaRPr lang="en-US" dirty="0"/>
+            <a:endParaRPr lang="en-US" sz="3200" dirty="0"/>
           </a:p>
           <a:p>
             <a:pPr marL="584962" lvl="1" indent="-219361"/>
             <a:r>
-              <a:rPr lang="en-US" dirty="0" smtClean="0"/>
+              <a:rPr lang="en-US" sz="2800" dirty="0" smtClean="0"/>
               <a:t>Configuration Properties</a:t>
             </a:r>
           </a:p>
           <a:p>
             <a:pPr marL="584962" lvl="1" indent="-219361"/>
             <a:r>
-              <a:rPr lang="en-US" dirty="0" smtClean="0"/>
+              <a:rPr lang="en-US" sz="2800" dirty="0" smtClean="0"/>
               <a:t>Database Configuration</a:t>
             </a:r>
           </a:p>
           <a:p>
             <a:pPr marL="584962" lvl="1" indent="-219361"/>
             <a:r>
-              <a:rPr lang="en-US" dirty="0" smtClean="0"/>
+              <a:rPr lang="en-US" sz="2800" dirty="0" smtClean="0"/>
               <a:t>Mail Server Configuration</a:t>
             </a:r>
           </a:p>
           <a:p>
             <a:pPr marL="584962" lvl="1" indent="-219361"/>
             <a:r>
-              <a:rPr lang="en-US" dirty="0" smtClean="0"/>
+              <a:rPr lang="en-US" sz="2800" dirty="0" smtClean="0"/>
               <a:t>Logging</a:t>
             </a:r>
           </a:p>
           <a:p>
             <a:pPr marL="584962" lvl="1" indent="-219361"/>
             <a:r>
-              <a:rPr lang="en-US" dirty="0" smtClean="0"/>
+              <a:rPr lang="en-US" sz="2800" dirty="0" smtClean="0"/>
               <a:t>Exercise</a:t>
             </a:r>
-            <a:endParaRPr lang="en-US" dirty="0"/>
+            <a:endParaRPr lang="en-US" sz="2800" dirty="0"/>
           </a:p>
         </p:txBody>
       </p:sp>
@@ -22992,20 +22988,21 @@
           <a:bodyPr rIns="41783"/>
           <a:lstStyle/>
           <a:p>
-            <a:pPr marL="584962" lvl="1" indent="-219361">
+            <a:pPr marL="365601" lvl="1" indent="0">
               <a:lnSpc>
                 <a:spcPct val="100000"/>
               </a:lnSpc>
+              <a:buNone/>
             </a:pPr>
             <a:r>
-              <a:rPr lang="fr-FR" dirty="0" smtClean="0"/>
+              <a:rPr lang="fr-FR" sz="2800" dirty="0" smtClean="0"/>
               <a:t>MySQL </a:t>
             </a:r>
             <a:r>
-              <a:rPr lang="fr-FR" dirty="0" err="1" smtClean="0"/>
+              <a:rPr lang="fr-FR" sz="2800" dirty="0" err="1" smtClean="0"/>
               <a:t>example</a:t>
             </a:r>
-            <a:endParaRPr lang="fr-FR" dirty="0"/>
+            <a:endParaRPr lang="fr-FR" sz="2800" dirty="0"/>
           </a:p>
           <a:p>
             <a:pPr marL="584962" lvl="1" indent="-219361">
@@ -23243,7 +23240,7 @@
             <a:pPr eaLnBrk="1" hangingPunct="1"/>
             <a:r>
               <a:rPr lang="en-US" dirty="0" smtClean="0"/>
-              <a:t>Modify </a:t>
+              <a:t>Database - Modify </a:t>
             </a:r>
             <a:r>
               <a:rPr lang="en-US" dirty="0" err="1" smtClean="0"/>
@@ -23538,11 +23535,11 @@
             <a:pPr eaLnBrk="1" hangingPunct="1"/>
             <a:r>
               <a:rPr lang="en-US" dirty="0" smtClean="0"/>
-              <a:t>Add the </a:t>
+              <a:t>Database - Add </a:t>
             </a:r>
             <a:r>
               <a:rPr lang="en-US" dirty="0" smtClean="0"/>
-              <a:t>connector jar</a:t>
+              <a:t>the connector jar</a:t>
             </a:r>
           </a:p>
         </p:txBody>

--- a/exo-sysAdmin/920-Config-XSys-en.pptx
+++ b/exo-sysAdmin/920-Config-XSys-en.pptx
@@ -7,7 +7,7 @@
     <p:sldMasterId id="2147483650" r:id="rId3"/>
   </p:sldMasterIdLst>
   <p:notesMasterIdLst>
-    <p:notesMasterId r:id="rId22"/>
+    <p:notesMasterId r:id="rId23"/>
   </p:notesMasterIdLst>
   <p:sldIdLst>
     <p:sldId id="256" r:id="rId4"/>
@@ -22,12 +22,13 @@
     <p:sldId id="412" r:id="rId13"/>
     <p:sldId id="411" r:id="rId14"/>
     <p:sldId id="413" r:id="rId15"/>
-    <p:sldId id="414" r:id="rId16"/>
-    <p:sldId id="415" r:id="rId17"/>
-    <p:sldId id="416" r:id="rId18"/>
-    <p:sldId id="418" r:id="rId19"/>
-    <p:sldId id="417" r:id="rId20"/>
-    <p:sldId id="394" r:id="rId21"/>
+    <p:sldId id="419" r:id="rId16"/>
+    <p:sldId id="414" r:id="rId17"/>
+    <p:sldId id="415" r:id="rId18"/>
+    <p:sldId id="416" r:id="rId19"/>
+    <p:sldId id="418" r:id="rId20"/>
+    <p:sldId id="417" r:id="rId21"/>
+    <p:sldId id="394" r:id="rId22"/>
   </p:sldIdLst>
   <p:sldSz cx="11160125" cy="7559675"/>
   <p:notesSz cx="7772400" cy="10058400"/>
@@ -1877,7 +1878,7 @@
                 </a:solidFill>
               </a:rPr>
               <a:pPr/>
-              <a:t>13</a:t>
+              <a:t>14</a:t>
             </a:fld>
             <a:endParaRPr lang="en-GB">
               <a:solidFill>
@@ -1984,7 +1985,7 @@
                   <a:tab pos="9144000" algn="l"/>
                 </a:tabLst>
               </a:pPr>
-              <a:t>13</a:t>
+              <a:t>14</a:t>
             </a:fld>
             <a:endParaRPr lang="en-GB" sz="1400">
               <a:solidFill>
@@ -2122,7 +2123,7 @@
                 </a:solidFill>
               </a:rPr>
               <a:pPr/>
-              <a:t>16</a:t>
+              <a:t>17</a:t>
             </a:fld>
             <a:endParaRPr lang="en-GB">
               <a:solidFill>
@@ -2229,7 +2230,7 @@
                   <a:tab pos="9144000" algn="l"/>
                 </a:tabLst>
               </a:pPr>
-              <a:t>16</a:t>
+              <a:t>17</a:t>
             </a:fld>
             <a:endParaRPr lang="en-GB" sz="1400">
               <a:solidFill>
@@ -2363,7 +2364,7 @@
             <a:fld id="{43F345E1-DE08-49C4-9805-072619C6BD24}" type="slidenum">
               <a:rPr lang="en-GB"/>
               <a:pPr/>
-              <a:t>18</a:t>
+              <a:t>19</a:t>
             </a:fld>
             <a:endParaRPr lang="en-GB"/>
           </a:p>
@@ -2466,7 +2467,7 @@
                   <a:tab pos="9144000" algn="l"/>
                 </a:tabLst>
               </a:pPr>
-              <a:t>18</a:t>
+              <a:t>19</a:t>
             </a:fld>
             <a:endParaRPr lang="en-GB" sz="1400">
               <a:solidFill>
@@ -19965,6 +19966,299 @@
       </p:grpSpPr>
       <p:sp>
         <p:nvSpPr>
+          <p:cNvPr id="15362" name="Rectangle 1"/>
+          <p:cNvSpPr>
+            <a:spLocks noGrp="1" noChangeArrowheads="1"/>
+          </p:cNvSpPr>
+          <p:nvPr>
+            <p:ph type="title"/>
+          </p:nvPr>
+        </p:nvSpPr>
+        <p:spPr>
+          <a:xfrm>
+            <a:off x="490435" y="255926"/>
+            <a:ext cx="10179255" cy="454024"/>
+          </a:xfrm>
+        </p:spPr>
+        <p:txBody>
+          <a:bodyPr rIns="41783" anchor="b"/>
+          <a:lstStyle/>
+          <a:p>
+            <a:pPr eaLnBrk="1" hangingPunct="1"/>
+            <a:r>
+              <a:rPr lang="en-US" dirty="0" smtClean="0"/>
+              <a:t>Paths configuration</a:t>
+            </a:r>
+          </a:p>
+        </p:txBody>
+      </p:sp>
+      <p:sp>
+        <p:nvSpPr>
+          <p:cNvPr id="15363" name="Rectangle 2"/>
+          <p:cNvSpPr>
+            <a:spLocks noGrp="1" noChangeArrowheads="1"/>
+          </p:cNvSpPr>
+          <p:nvPr>
+            <p:ph type="body" idx="1"/>
+          </p:nvPr>
+        </p:nvSpPr>
+        <p:spPr>
+          <a:xfrm>
+            <a:off x="507964" y="1350945"/>
+            <a:ext cx="10179255" cy="5089000"/>
+          </a:xfrm>
+        </p:spPr>
+        <p:txBody>
+          <a:bodyPr rIns="41783"/>
+          <a:lstStyle/>
+          <a:p>
+            <a:pPr marL="365601" lvl="1" indent="0">
+              <a:lnSpc>
+                <a:spcPct val="100000"/>
+              </a:lnSpc>
+              <a:buNone/>
+            </a:pPr>
+            <a:r>
+              <a:rPr lang="fr-FR" dirty="0" smtClean="0"/>
+              <a:t>Attention:</a:t>
+            </a:r>
+          </a:p>
+          <a:p>
+            <a:pPr marL="584962" lvl="1" indent="-219361">
+              <a:lnSpc>
+                <a:spcPct val="100000"/>
+              </a:lnSpc>
+            </a:pPr>
+            <a:r>
+              <a:rPr lang="fr-FR" dirty="0" smtClean="0"/>
+              <a:t>The </a:t>
+            </a:r>
+            <a:r>
+              <a:rPr lang="fr-FR" dirty="0" err="1" smtClean="0"/>
+              <a:t>paths</a:t>
+            </a:r>
+            <a:r>
+              <a:rPr lang="fr-FR" dirty="0" smtClean="0"/>
+              <a:t> are </a:t>
+            </a:r>
+            <a:r>
+              <a:rPr lang="fr-FR" dirty="0" err="1" smtClean="0"/>
+              <a:t>persisted</a:t>
+            </a:r>
+            <a:r>
+              <a:rPr lang="fr-FR" dirty="0" smtClean="0"/>
+              <a:t> in the SQL table </a:t>
+            </a:r>
+            <a:r>
+              <a:rPr lang="fr-FR" dirty="0" err="1" smtClean="0"/>
+              <a:t>called</a:t>
+            </a:r>
+            <a:r>
+              <a:rPr lang="fr-FR" dirty="0" smtClean="0"/>
+              <a:t> </a:t>
+            </a:r>
+            <a:r>
+              <a:rPr lang="fr-FR" dirty="0" err="1" smtClean="0"/>
+              <a:t>jcr_config</a:t>
+            </a:r>
+            <a:r>
+              <a:rPr lang="fr-FR" dirty="0" smtClean="0"/>
+              <a:t>.</a:t>
+            </a:r>
+          </a:p>
+          <a:p>
+            <a:pPr marL="584962" lvl="1" indent="-219361">
+              <a:lnSpc>
+                <a:spcPct val="100000"/>
+              </a:lnSpc>
+            </a:pPr>
+            <a:r>
+              <a:rPr lang="fr-FR" dirty="0" smtClean="0"/>
+              <a:t>This </a:t>
+            </a:r>
+            <a:r>
+              <a:rPr lang="fr-FR" dirty="0" err="1" smtClean="0"/>
+              <a:t>is</a:t>
+            </a:r>
+            <a:r>
+              <a:rPr lang="fr-FR" dirty="0" smtClean="0"/>
+              <a:t> a </a:t>
+            </a:r>
+            <a:r>
+              <a:rPr lang="fr-FR" dirty="0" err="1" smtClean="0"/>
+              <a:t>security</a:t>
+            </a:r>
+            <a:r>
+              <a:rPr lang="fr-FR" dirty="0" smtClean="0"/>
+              <a:t> </a:t>
+            </a:r>
+            <a:r>
+              <a:rPr lang="fr-FR" dirty="0" err="1" smtClean="0"/>
+              <a:t>feature</a:t>
+            </a:r>
+            <a:r>
+              <a:rPr lang="fr-FR" dirty="0" smtClean="0"/>
+              <a:t> in </a:t>
+            </a:r>
+            <a:r>
+              <a:rPr lang="fr-FR" dirty="0" err="1" smtClean="0"/>
+              <a:t>order</a:t>
+            </a:r>
+            <a:r>
+              <a:rPr lang="fr-FR" dirty="0" smtClean="0"/>
+              <a:t> to </a:t>
+            </a:r>
+            <a:r>
+              <a:rPr lang="fr-FR" dirty="0" err="1" smtClean="0"/>
+              <a:t>avoid</a:t>
+            </a:r>
+            <a:r>
+              <a:rPr lang="fr-FR" dirty="0" smtClean="0"/>
+              <a:t> config </a:t>
+            </a:r>
+            <a:r>
+              <a:rPr lang="fr-FR" dirty="0" err="1" smtClean="0"/>
+              <a:t>errors</a:t>
+            </a:r>
+            <a:r>
+              <a:rPr lang="fr-FR" dirty="0" smtClean="0"/>
+              <a:t>.</a:t>
+            </a:r>
+          </a:p>
+          <a:p>
+            <a:pPr marL="584962" lvl="1" indent="-219361">
+              <a:lnSpc>
+                <a:spcPct val="100000"/>
+              </a:lnSpc>
+            </a:pPr>
+            <a:r>
+              <a:rPr lang="fr-FR" dirty="0" err="1" smtClean="0"/>
+              <a:t>After</a:t>
+            </a:r>
+            <a:r>
+              <a:rPr lang="fr-FR" dirty="0" smtClean="0"/>
+              <a:t> </a:t>
+            </a:r>
+            <a:r>
+              <a:rPr lang="fr-FR" dirty="0" err="1" smtClean="0"/>
+              <a:t>modifying</a:t>
+            </a:r>
+            <a:r>
+              <a:rPr lang="fr-FR" dirty="0" smtClean="0"/>
+              <a:t> the </a:t>
+            </a:r>
+            <a:r>
+              <a:rPr lang="fr-FR" dirty="0" err="1" smtClean="0"/>
+              <a:t>path</a:t>
+            </a:r>
+            <a:r>
+              <a:rPr lang="fr-FR" dirty="0" smtClean="0"/>
+              <a:t> configuration </a:t>
+            </a:r>
+            <a:r>
+              <a:rPr lang="fr-FR" dirty="0" err="1" smtClean="0"/>
+              <a:t>you</a:t>
+            </a:r>
+            <a:r>
+              <a:rPr lang="fr-FR" dirty="0" smtClean="0"/>
+              <a:t> have to </a:t>
+            </a:r>
+            <a:r>
+              <a:rPr lang="fr-FR" dirty="0" err="1" smtClean="0"/>
+              <a:t>delete</a:t>
+            </a:r>
+            <a:r>
+              <a:rPr lang="fr-FR" dirty="0" smtClean="0"/>
+              <a:t> </a:t>
+            </a:r>
+            <a:r>
+              <a:rPr lang="fr-FR" dirty="0" err="1" smtClean="0"/>
+              <a:t>this</a:t>
+            </a:r>
+            <a:r>
+              <a:rPr lang="fr-FR" dirty="0" smtClean="0"/>
+              <a:t> </a:t>
+            </a:r>
+            <a:r>
+              <a:rPr lang="fr-FR" dirty="0" err="1" smtClean="0"/>
+              <a:t>table’s</a:t>
+            </a:r>
+            <a:r>
+              <a:rPr lang="fr-FR" dirty="0" smtClean="0"/>
+              <a:t> content (stop eXo </a:t>
+            </a:r>
+            <a:r>
+              <a:rPr lang="fr-FR" dirty="0" err="1" smtClean="0"/>
+              <a:t>before</a:t>
+            </a:r>
+            <a:r>
+              <a:rPr lang="fr-FR" dirty="0" smtClean="0"/>
+              <a:t> </a:t>
+            </a:r>
+            <a:r>
+              <a:rPr lang="fr-FR" dirty="0" err="1" smtClean="0"/>
+              <a:t>deleting</a:t>
+            </a:r>
+            <a:r>
+              <a:rPr lang="fr-FR" dirty="0"/>
+              <a:t>)</a:t>
+            </a:r>
+            <a:r>
+              <a:rPr lang="fr-FR" dirty="0" smtClean="0"/>
+              <a:t>.</a:t>
+            </a:r>
+            <a:endParaRPr lang="fr-FR" dirty="0" smtClean="0"/>
+          </a:p>
+          <a:p>
+            <a:pPr marL="584962" lvl="1" indent="-219361">
+              <a:lnSpc>
+                <a:spcPct val="100000"/>
+              </a:lnSpc>
+            </a:pPr>
+            <a:endParaRPr lang="fr-FR" dirty="0"/>
+          </a:p>
+        </p:txBody>
+      </p:sp>
+    </p:spTree>
+    <p:extLst>
+      <p:ext uri="{BB962C8B-B14F-4D97-AF65-F5344CB8AC3E}">
+        <p14:creationId xmlns:p14="http://schemas.microsoft.com/office/powerpoint/2010/main" val="2341701091"/>
+      </p:ext>
+    </p:extLst>
+  </p:cSld>
+  <p:clrMapOvr>
+    <a:masterClrMapping/>
+  </p:clrMapOvr>
+  <p:transition xmlns:p14="http://schemas.microsoft.com/office/powerpoint/2010/main"/>
+  <p:timing>
+    <p:tnLst>
+      <p:par>
+        <p:cTn xmlns:p14="http://schemas.microsoft.com/office/powerpoint/2010/main" id="1" dur="indefinite" restart="never" nodeType="tmRoot"/>
+      </p:par>
+    </p:tnLst>
+  </p:timing>
+</p:sld>
+</file>
+
+<file path=ppt/slides/slide14.xml><?xml version="1.0" encoding="utf-8"?>
+<p:sld xmlns:a="http://schemas.openxmlformats.org/drawingml/2006/main" xmlns:r="http://schemas.openxmlformats.org/officeDocument/2006/relationships" xmlns:p="http://schemas.openxmlformats.org/presentationml/2006/main">
+  <p:cSld>
+    <p:spTree>
+      <p:nvGrpSpPr>
+        <p:cNvPr id="1" name=""/>
+        <p:cNvGrpSpPr/>
+        <p:nvPr/>
+      </p:nvGrpSpPr>
+      <p:grpSpPr>
+        <a:xfrm>
+          <a:off x="0" y="0"/>
+          <a:ext cx="0" cy="0"/>
+          <a:chOff x="0" y="0"/>
+          <a:chExt cx="0" cy="0"/>
+        </a:xfrm>
+      </p:grpSpPr>
+      <p:sp>
+        <p:nvSpPr>
           <p:cNvPr id="81922" name="Text Box 1"/>
           <p:cNvSpPr txBox="1">
             <a:spLocks noChangeArrowheads="1"/>
@@ -20060,7 +20354,7 @@
                   <a:tab pos="9144000" algn="l"/>
                 </a:tabLst>
               </a:pPr>
-              <a:t>13</a:t>
+              <a:t>14</a:t>
             </a:fld>
             <a:endParaRPr lang="en-GB" sz="1400">
               <a:solidFill>
@@ -20199,7 +20493,7 @@
 </p:sld>
 </file>
 
-<file path=ppt/slides/slide14.xml><?xml version="1.0" encoding="utf-8"?>
+<file path=ppt/slides/slide15.xml><?xml version="1.0" encoding="utf-8"?>
 <p:sld xmlns:a="http://schemas.openxmlformats.org/drawingml/2006/main" xmlns:r="http://schemas.openxmlformats.org/officeDocument/2006/relationships" xmlns:p="http://schemas.openxmlformats.org/presentationml/2006/main">
   <p:cSld>
     <p:spTree>
@@ -20602,7 +20896,7 @@
 </p:sld>
 </file>
 
-<file path=ppt/slides/slide15.xml><?xml version="1.0" encoding="utf-8"?>
+<file path=ppt/slides/slide16.xml><?xml version="1.0" encoding="utf-8"?>
 <p:sld xmlns:a="http://schemas.openxmlformats.org/drawingml/2006/main" xmlns:r="http://schemas.openxmlformats.org/officeDocument/2006/relationships" xmlns:p="http://schemas.openxmlformats.org/presentationml/2006/main">
   <p:cSld>
     <p:spTree>
@@ -20915,7 +21209,7 @@
 </p:sld>
 </file>
 
-<file path=ppt/slides/slide16.xml><?xml version="1.0" encoding="utf-8"?>
+<file path=ppt/slides/slide17.xml><?xml version="1.0" encoding="utf-8"?>
 <p:sld xmlns:a="http://schemas.openxmlformats.org/drawingml/2006/main" xmlns:r="http://schemas.openxmlformats.org/officeDocument/2006/relationships" xmlns:p="http://schemas.openxmlformats.org/presentationml/2006/main">
   <p:cSld>
     <p:spTree>
@@ -21029,7 +21323,7 @@
                   <a:tab pos="9144000" algn="l"/>
                 </a:tabLst>
               </a:pPr>
-              <a:t>16</a:t>
+              <a:t>17</a:t>
             </a:fld>
             <a:endParaRPr lang="en-GB" sz="1400">
               <a:solidFill>
@@ -21160,7 +21454,7 @@
 </p:sld>
 </file>
 
-<file path=ppt/slides/slide17.xml><?xml version="1.0" encoding="utf-8"?>
+<file path=ppt/slides/slide18.xml><?xml version="1.0" encoding="utf-8"?>
 <p:sld xmlns:a="http://schemas.openxmlformats.org/drawingml/2006/main" xmlns:r="http://schemas.openxmlformats.org/officeDocument/2006/relationships" xmlns:p="http://schemas.openxmlformats.org/presentationml/2006/main">
   <p:cSld>
     <p:spTree>
@@ -21511,11 +21805,7 @@
             </a:r>
             <a:r>
               <a:rPr lang="fr-FR" dirty="0" smtClean="0"/>
-              <a:t> </a:t>
-            </a:r>
-            <a:r>
-              <a:rPr lang="fr-FR" smtClean="0"/>
-              <a:t>to MySQL or </a:t>
+              <a:t> to MySQL or </a:t>
             </a:r>
             <a:r>
               <a:rPr lang="fr-FR" dirty="0" err="1" smtClean="0"/>
@@ -21637,7 +21927,7 @@
 </p:sld>
 </file>
 
-<file path=ppt/slides/slide18.xml><?xml version="1.0" encoding="utf-8"?>
+<file path=ppt/slides/slide19.xml><?xml version="1.0" encoding="utf-8"?>
 <p:sld xmlns:a="http://schemas.openxmlformats.org/drawingml/2006/main" xmlns:r="http://schemas.openxmlformats.org/officeDocument/2006/relationships" xmlns:p="http://schemas.openxmlformats.org/presentationml/2006/main">
   <p:cSld>
     <p:spTree>
@@ -23535,11 +23825,7 @@
             <a:pPr eaLnBrk="1" hangingPunct="1"/>
             <a:r>
               <a:rPr lang="en-US" dirty="0" smtClean="0"/>
-              <a:t>Database - Add </a:t>
-            </a:r>
-            <a:r>
-              <a:rPr lang="en-US" dirty="0" smtClean="0"/>
-              <a:t>the connector jar</a:t>
+              <a:t>Database - Add the connector jar</a:t>
             </a:r>
           </a:p>
         </p:txBody>
